--- a/test-parquet-metadata/doc/Parquet-File-Format.pptx
+++ b/test-parquet-metadata/doc/Parquet-File-Format.pptx
@@ -3830,7 +3830,7 @@
         <p:spPr>
           <a:xfrm>
             <a:off x="3173015" y="693328"/>
-            <a:ext cx="1343025" cy="633413"/>
+            <a:ext cx="1638300" cy="633413"/>
           </a:xfrm>
           <a:prstGeom prst="rect">
             <a:avLst/>
@@ -3859,7 +3859,7 @@
             <a:pPr algn="ctr"/>
             <a:r>
               <a:rPr lang="fr-FR" dirty="0" err="1"/>
-              <a:t>RowGroup</a:t>
+              <a:t>BlockMetadata</a:t>
             </a:r>
             <a:endParaRPr lang="fr-FR" dirty="0"/>
           </a:p>
@@ -4289,7 +4289,7 @@
         <p:spPr>
           <a:xfrm>
             <a:off x="3308712" y="1293377"/>
-            <a:ext cx="2250488" cy="1200329"/>
+            <a:ext cx="2433871" cy="923330"/>
           </a:xfrm>
           <a:prstGeom prst="rect">
             <a:avLst/>
@@ -4304,35 +4304,7 @@
           <a:p>
             <a:r>
               <a:rPr lang="en-US" dirty="0" err="1"/>
-              <a:t>totalByteSize</a:t>
-            </a:r>
-            <a:r>
-              <a:rPr lang="en-US" dirty="0"/>
-              <a:t>, </a:t>
-            </a:r>
-          </a:p>
-          <a:p>
-            <a:r>
-              <a:rPr lang="en-US" dirty="0" err="1"/>
-              <a:t>totalCompressedSize</a:t>
-            </a:r>
-            <a:r>
-              <a:rPr lang="en-US" dirty="0"/>
-              <a:t>, </a:t>
-            </a:r>
-          </a:p>
-          <a:p>
-            <a:r>
-              <a:rPr lang="en-US" dirty="0" err="1"/>
-              <a:t>fileOffset</a:t>
-            </a:r>
-            <a:r>
-              <a:rPr lang="en-US" dirty="0"/>
-              <a:t>, </a:t>
-            </a:r>
-            <a:r>
-              <a:rPr lang="en-US" dirty="0" err="1"/>
-              <a:t>numRows</a:t>
+              <a:t>rowCount,totalByteSize</a:t>
             </a:r>
             <a:r>
               <a:rPr lang="en-US" dirty="0"/>
@@ -4342,17 +4314,27 @@
           <a:p>
             <a:r>
               <a:rPr lang="en-US" dirty="0"/>
-              <a:t>ordinal</a:t>
-            </a:r>
-          </a:p>
-        </p:txBody>
-      </p:sp>
-      <p:sp>
-        <p:nvSpPr>
-          <p:cNvPr id="45" name="Rectangle 44">
-            <a:extLst>
-              <a:ext uri="{FF2B5EF4-FFF2-40B4-BE49-F238E27FC236}">
-                <a16:creationId xmlns:a16="http://schemas.microsoft.com/office/drawing/2014/main" id="{F60DE7A7-BC40-ECE1-E61E-59E7A065FAA8}"/>
+              <a:t>path,</a:t>
+            </a:r>
+          </a:p>
+          <a:p>
+            <a:r>
+              <a:rPr lang="en-US" dirty="0" err="1"/>
+              <a:t>ordinal,rowIndexOffset</a:t>
+            </a:r>
+            <a:r>
+              <a:rPr lang="en-US" dirty="0"/>
+              <a:t> </a:t>
+            </a:r>
+          </a:p>
+        </p:txBody>
+      </p:sp>
+      <p:sp>
+        <p:nvSpPr>
+          <p:cNvPr id="50" name="Rectangle 49">
+            <a:extLst>
+              <a:ext uri="{FF2B5EF4-FFF2-40B4-BE49-F238E27FC236}">
+                <a16:creationId xmlns:a16="http://schemas.microsoft.com/office/drawing/2014/main" id="{FC86009D-AD21-6E30-223A-764A82E13718}"/>
               </a:ext>
             </a:extLst>
           </p:cNvPr>
@@ -4361,8 +4343,8 @@
         </p:nvSpPr>
         <p:spPr>
           <a:xfrm>
-            <a:off x="6266960" y="606961"/>
-            <a:ext cx="1638300" cy="503264"/>
+            <a:off x="6260657" y="1487196"/>
+            <a:ext cx="2486073" cy="503264"/>
           </a:xfrm>
           <a:prstGeom prst="rect">
             <a:avLst/>
@@ -4391,7 +4373,7 @@
             <a:pPr algn="ctr"/>
             <a:r>
               <a:rPr lang="fr-FR" dirty="0" err="1"/>
-              <a:t>SortingColumn</a:t>
+              <a:t>ColumnChunkMetadata</a:t>
             </a:r>
             <a:endParaRPr lang="fr-FR" dirty="0"/>
           </a:p>
@@ -4399,24 +4381,24 @@
       </p:sp>
       <p:cxnSp>
         <p:nvCxnSpPr>
-          <p:cNvPr id="46" name="Straight Arrow Connector 45">
-            <a:extLst>
-              <a:ext uri="{FF2B5EF4-FFF2-40B4-BE49-F238E27FC236}">
-                <a16:creationId xmlns:a16="http://schemas.microsoft.com/office/drawing/2014/main" id="{91A2412C-F9FF-E1C0-6B24-2DE6E0E9E9CF}"/>
+          <p:cNvPr id="51" name="Straight Arrow Connector 50">
+            <a:extLst>
+              <a:ext uri="{FF2B5EF4-FFF2-40B4-BE49-F238E27FC236}">
+                <a16:creationId xmlns:a16="http://schemas.microsoft.com/office/drawing/2014/main" id="{24830C67-2D72-A02A-5450-C10A6BAD4024}"/>
               </a:ext>
             </a:extLst>
           </p:cNvPr>
           <p:cNvCxnSpPr>
             <a:cxnSpLocks/>
             <a:stCxn id="20" idx="3"/>
-            <a:endCxn id="45" idx="1"/>
+            <a:endCxn id="50" idx="1"/>
           </p:cNvCxnSpPr>
           <p:nvPr/>
         </p:nvCxnSpPr>
         <p:spPr>
-          <a:xfrm flipV="1">
-            <a:off x="4516040" y="858593"/>
-            <a:ext cx="1750920" cy="151442"/>
+          <a:xfrm>
+            <a:off x="4811315" y="1010035"/>
+            <a:ext cx="1449342" cy="728793"/>
           </a:xfrm>
           <a:prstGeom prst="straightConnector1">
             <a:avLst/>
@@ -4442,134 +4424,6 @@
       </p:cxnSp>
       <p:sp>
         <p:nvSpPr>
-          <p:cNvPr id="49" name="TextBox 48">
-            <a:extLst>
-              <a:ext uri="{FF2B5EF4-FFF2-40B4-BE49-F238E27FC236}">
-                <a16:creationId xmlns:a16="http://schemas.microsoft.com/office/drawing/2014/main" id="{EC066C6D-D14A-395B-3DC6-3A5539B1D817}"/>
-              </a:ext>
-            </a:extLst>
-          </p:cNvPr>
-          <p:cNvSpPr txBox="1"/>
-          <p:nvPr/>
-        </p:nvSpPr>
-        <p:spPr>
-          <a:xfrm>
-            <a:off x="5960576" y="553413"/>
-            <a:ext cx="300082" cy="369332"/>
-          </a:xfrm>
-          <a:prstGeom prst="rect">
-            <a:avLst/>
-          </a:prstGeom>
-          <a:noFill/>
-        </p:spPr>
-        <p:txBody>
-          <a:bodyPr wrap="none" rtlCol="0">
-            <a:spAutoFit/>
-          </a:bodyPr>
-          <a:lstStyle/>
-          <a:p>
-            <a:r>
-              <a:rPr lang="fr-FR" dirty="0"/>
-              <a:t>*</a:t>
-            </a:r>
-          </a:p>
-        </p:txBody>
-      </p:sp>
-      <p:sp>
-        <p:nvSpPr>
-          <p:cNvPr id="50" name="Rectangle 49">
-            <a:extLst>
-              <a:ext uri="{FF2B5EF4-FFF2-40B4-BE49-F238E27FC236}">
-                <a16:creationId xmlns:a16="http://schemas.microsoft.com/office/drawing/2014/main" id="{FC86009D-AD21-6E30-223A-764A82E13718}"/>
-              </a:ext>
-            </a:extLst>
-          </p:cNvPr>
-          <p:cNvSpPr/>
-          <p:nvPr/>
-        </p:nvSpPr>
-        <p:spPr>
-          <a:xfrm>
-            <a:off x="6260658" y="1487196"/>
-            <a:ext cx="1638300" cy="503264"/>
-          </a:xfrm>
-          <a:prstGeom prst="rect">
-            <a:avLst/>
-          </a:prstGeom>
-        </p:spPr>
-        <p:style>
-          <a:lnRef idx="2">
-            <a:schemeClr val="accent1">
-              <a:shade val="15000"/>
-            </a:schemeClr>
-          </a:lnRef>
-          <a:fillRef idx="1">
-            <a:schemeClr val="accent1"/>
-          </a:fillRef>
-          <a:effectRef idx="0">
-            <a:schemeClr val="accent1"/>
-          </a:effectRef>
-          <a:fontRef idx="minor">
-            <a:schemeClr val="lt1"/>
-          </a:fontRef>
-        </p:style>
-        <p:txBody>
-          <a:bodyPr rtlCol="0" anchor="ctr"/>
-          <a:lstStyle/>
-          <a:p>
-            <a:pPr algn="ctr"/>
-            <a:r>
-              <a:rPr lang="fr-FR" dirty="0" err="1"/>
-              <a:t>ColumnChunk</a:t>
-            </a:r>
-            <a:endParaRPr lang="fr-FR" dirty="0"/>
-          </a:p>
-        </p:txBody>
-      </p:sp>
-      <p:cxnSp>
-        <p:nvCxnSpPr>
-          <p:cNvPr id="51" name="Straight Arrow Connector 50">
-            <a:extLst>
-              <a:ext uri="{FF2B5EF4-FFF2-40B4-BE49-F238E27FC236}">
-                <a16:creationId xmlns:a16="http://schemas.microsoft.com/office/drawing/2014/main" id="{24830C67-2D72-A02A-5450-C10A6BAD4024}"/>
-              </a:ext>
-            </a:extLst>
-          </p:cNvPr>
-          <p:cNvCxnSpPr>
-            <a:cxnSpLocks/>
-            <a:stCxn id="20" idx="3"/>
-            <a:endCxn id="50" idx="1"/>
-          </p:cNvCxnSpPr>
-          <p:nvPr/>
-        </p:nvCxnSpPr>
-        <p:spPr>
-          <a:xfrm>
-            <a:off x="4516040" y="1010035"/>
-            <a:ext cx="1744618" cy="728793"/>
-          </a:xfrm>
-          <a:prstGeom prst="straightConnector1">
-            <a:avLst/>
-          </a:prstGeom>
-          <a:ln w="15875">
-            <a:tailEnd type="arrow" w="med" len="lg"/>
-          </a:ln>
-        </p:spPr>
-        <p:style>
-          <a:lnRef idx="1">
-            <a:schemeClr val="accent1"/>
-          </a:lnRef>
-          <a:fillRef idx="0">
-            <a:schemeClr val="accent1"/>
-          </a:fillRef>
-          <a:effectRef idx="0">
-            <a:schemeClr val="accent1"/>
-          </a:effectRef>
-          <a:fontRef idx="minor">
-            <a:schemeClr val="tx1"/>
-          </a:fontRef>
-        </p:style>
-      </p:cxnSp>
-      <p:sp>
-        <p:nvSpPr>
           <p:cNvPr id="52" name="TextBox 51">
             <a:extLst>
               <a:ext uri="{FF2B5EF4-FFF2-40B4-BE49-F238E27FC236}">
@@ -4605,10 +4459,10 @@
       </p:sp>
       <p:sp>
         <p:nvSpPr>
-          <p:cNvPr id="56" name="TextBox 55">
-            <a:extLst>
-              <a:ext uri="{FF2B5EF4-FFF2-40B4-BE49-F238E27FC236}">
-                <a16:creationId xmlns:a16="http://schemas.microsoft.com/office/drawing/2014/main" id="{68C53D48-96BB-538E-0310-A1420D00BBDA}"/>
+          <p:cNvPr id="57" name="TextBox 56">
+            <a:extLst>
+              <a:ext uri="{FF2B5EF4-FFF2-40B4-BE49-F238E27FC236}">
+                <a16:creationId xmlns:a16="http://schemas.microsoft.com/office/drawing/2014/main" id="{8B085A39-D9CA-6926-71EC-6D22EACE3A07}"/>
               </a:ext>
             </a:extLst>
           </p:cNvPr>
@@ -4617,8 +4471,8 @@
         </p:nvSpPr>
         <p:spPr>
           <a:xfrm>
-            <a:off x="6577446" y="1040785"/>
-            <a:ext cx="2668231" cy="369332"/>
+            <a:off x="6534150" y="1921722"/>
+            <a:ext cx="3228897" cy="2585323"/>
           </a:xfrm>
           <a:prstGeom prst="rect">
             <a:avLst/>
@@ -4633,43 +4487,7 @@
           <a:p>
             <a:r>
               <a:rPr lang="fr-FR" dirty="0" err="1"/>
-              <a:t>colIdx,descending,nullFirst</a:t>
-            </a:r>
-            <a:endParaRPr lang="fr-FR" dirty="0"/>
-          </a:p>
-        </p:txBody>
-      </p:sp>
-      <p:sp>
-        <p:nvSpPr>
-          <p:cNvPr id="57" name="TextBox 56">
-            <a:extLst>
-              <a:ext uri="{FF2B5EF4-FFF2-40B4-BE49-F238E27FC236}">
-                <a16:creationId xmlns:a16="http://schemas.microsoft.com/office/drawing/2014/main" id="{8B085A39-D9CA-6926-71EC-6D22EACE3A07}"/>
-              </a:ext>
-            </a:extLst>
-          </p:cNvPr>
-          <p:cNvSpPr txBox="1"/>
-          <p:nvPr/>
-        </p:nvSpPr>
-        <p:spPr>
-          <a:xfrm>
-            <a:off x="6534150" y="1921722"/>
-            <a:ext cx="2559675" cy="1200329"/>
-          </a:xfrm>
-          <a:prstGeom prst="rect">
-            <a:avLst/>
-          </a:prstGeom>
-          <a:noFill/>
-        </p:spPr>
-        <p:txBody>
-          <a:bodyPr wrap="none" rtlCol="0">
-            <a:spAutoFit/>
-          </a:bodyPr>
-          <a:lstStyle/>
-          <a:p>
-            <a:r>
-              <a:rPr lang="fr-FR" dirty="0" err="1"/>
-              <a:t>colName</a:t>
+              <a:t>rowGroupOrdinal</a:t>
             </a:r>
             <a:r>
               <a:rPr lang="fr-FR" dirty="0"/>
@@ -4679,14 +4497,7 @@
           <a:p>
             <a:r>
               <a:rPr lang="fr-FR" dirty="0" err="1"/>
-              <a:t>filePath,fileOffset</a:t>
-            </a:r>
-            <a:endParaRPr lang="fr-FR" dirty="0"/>
-          </a:p>
-          <a:p>
-            <a:r>
-              <a:rPr lang="fr-FR" dirty="0" err="1"/>
-              <a:t>offsetIndexOffset,Length</a:t>
+              <a:t>columnIndexReference</a:t>
             </a:r>
             <a:r>
               <a:rPr lang="fr-FR" dirty="0"/>
@@ -4696,299 +4507,7 @@
           <a:p>
             <a:r>
               <a:rPr lang="fr-FR" dirty="0" err="1"/>
-              <a:t>colIndexOffset,Length</a:t>
-            </a:r>
-            <a:endParaRPr lang="fr-FR" dirty="0"/>
-          </a:p>
-        </p:txBody>
-      </p:sp>
-      <p:sp>
-        <p:nvSpPr>
-          <p:cNvPr id="58" name="Rectangle 57">
-            <a:extLst>
-              <a:ext uri="{FF2B5EF4-FFF2-40B4-BE49-F238E27FC236}">
-                <a16:creationId xmlns:a16="http://schemas.microsoft.com/office/drawing/2014/main" id="{EA6B46C6-6499-4002-18B9-93E95D384B73}"/>
-              </a:ext>
-            </a:extLst>
-          </p:cNvPr>
-          <p:cNvSpPr/>
-          <p:nvPr/>
-        </p:nvSpPr>
-        <p:spPr>
-          <a:xfrm>
-            <a:off x="9172573" y="1801058"/>
-            <a:ext cx="2559675" cy="457200"/>
-          </a:xfrm>
-          <a:prstGeom prst="rect">
-            <a:avLst/>
-          </a:prstGeom>
-        </p:spPr>
-        <p:style>
-          <a:lnRef idx="2">
-            <a:schemeClr val="accent1">
-              <a:shade val="15000"/>
-            </a:schemeClr>
-          </a:lnRef>
-          <a:fillRef idx="1">
-            <a:schemeClr val="accent1"/>
-          </a:fillRef>
-          <a:effectRef idx="0">
-            <a:schemeClr val="accent1"/>
-          </a:effectRef>
-          <a:fontRef idx="minor">
-            <a:schemeClr val="lt1"/>
-          </a:fontRef>
-        </p:style>
-        <p:txBody>
-          <a:bodyPr rtlCol="0" anchor="ctr"/>
-          <a:lstStyle/>
-          <a:p>
-            <a:pPr algn="ctr"/>
-            <a:r>
-              <a:rPr lang="fr-FR" dirty="0" err="1"/>
-              <a:t>ColumnChunkMetaData</a:t>
-            </a:r>
-            <a:endParaRPr lang="fr-FR" dirty="0"/>
-          </a:p>
-        </p:txBody>
-      </p:sp>
-      <p:cxnSp>
-        <p:nvCxnSpPr>
-          <p:cNvPr id="59" name="Straight Arrow Connector 58">
-            <a:extLst>
-              <a:ext uri="{FF2B5EF4-FFF2-40B4-BE49-F238E27FC236}">
-                <a16:creationId xmlns:a16="http://schemas.microsoft.com/office/drawing/2014/main" id="{CD1A4888-F7A3-0DD7-D093-8FBA25545C8E}"/>
-              </a:ext>
-            </a:extLst>
-          </p:cNvPr>
-          <p:cNvCxnSpPr>
-            <a:cxnSpLocks/>
-            <a:stCxn id="50" idx="3"/>
-            <a:endCxn id="58" idx="1"/>
-          </p:cNvCxnSpPr>
-          <p:nvPr/>
-        </p:nvCxnSpPr>
-        <p:spPr>
-          <a:xfrm>
-            <a:off x="7898958" y="1738828"/>
-            <a:ext cx="1273615" cy="290830"/>
-          </a:xfrm>
-          <a:prstGeom prst="straightConnector1">
-            <a:avLst/>
-          </a:prstGeom>
-          <a:ln w="15875">
-            <a:tailEnd type="arrow" w="med" len="lg"/>
-          </a:ln>
-        </p:spPr>
-        <p:style>
-          <a:lnRef idx="1">
-            <a:schemeClr val="accent1"/>
-          </a:lnRef>
-          <a:fillRef idx="0">
-            <a:schemeClr val="accent1"/>
-          </a:fillRef>
-          <a:effectRef idx="0">
-            <a:schemeClr val="accent1"/>
-          </a:effectRef>
-          <a:fontRef idx="minor">
-            <a:schemeClr val="tx1"/>
-          </a:fontRef>
-        </p:style>
-      </p:cxnSp>
-      <p:sp>
-        <p:nvSpPr>
-          <p:cNvPr id="61" name="TextBox 60">
-            <a:extLst>
-              <a:ext uri="{FF2B5EF4-FFF2-40B4-BE49-F238E27FC236}">
-                <a16:creationId xmlns:a16="http://schemas.microsoft.com/office/drawing/2014/main" id="{485FB31C-5B94-9F68-3C6F-6407C3C4933F}"/>
-              </a:ext>
-            </a:extLst>
-          </p:cNvPr>
-          <p:cNvSpPr txBox="1"/>
-          <p:nvPr/>
-        </p:nvSpPr>
-        <p:spPr>
-          <a:xfrm>
-            <a:off x="8866138" y="1476223"/>
-            <a:ext cx="534121" cy="369332"/>
-          </a:xfrm>
-          <a:prstGeom prst="rect">
-            <a:avLst/>
-          </a:prstGeom>
-          <a:noFill/>
-        </p:spPr>
-        <p:txBody>
-          <a:bodyPr wrap="none" rtlCol="0">
-            <a:spAutoFit/>
-          </a:bodyPr>
-          <a:lstStyle/>
-          <a:p>
-            <a:r>
-              <a:rPr lang="fr-FR" dirty="0"/>
-              <a:t>0..1</a:t>
-            </a:r>
-          </a:p>
-        </p:txBody>
-      </p:sp>
-      <p:sp>
-        <p:nvSpPr>
-          <p:cNvPr id="62" name="Rectangle 61">
-            <a:extLst>
-              <a:ext uri="{FF2B5EF4-FFF2-40B4-BE49-F238E27FC236}">
-                <a16:creationId xmlns:a16="http://schemas.microsoft.com/office/drawing/2014/main" id="{2DBDDF66-97C9-CACB-5F17-BF11AFE05297}"/>
-              </a:ext>
-            </a:extLst>
-          </p:cNvPr>
-          <p:cNvSpPr/>
-          <p:nvPr/>
-        </p:nvSpPr>
-        <p:spPr>
-          <a:xfrm>
-            <a:off x="9172574" y="944463"/>
-            <a:ext cx="2559674" cy="369332"/>
-          </a:xfrm>
-          <a:prstGeom prst="rect">
-            <a:avLst/>
-          </a:prstGeom>
-        </p:spPr>
-        <p:style>
-          <a:lnRef idx="2">
-            <a:schemeClr val="accent1">
-              <a:shade val="15000"/>
-            </a:schemeClr>
-          </a:lnRef>
-          <a:fillRef idx="1">
-            <a:schemeClr val="accent1"/>
-          </a:fillRef>
-          <a:effectRef idx="0">
-            <a:schemeClr val="accent1"/>
-          </a:effectRef>
-          <a:fontRef idx="minor">
-            <a:schemeClr val="lt1"/>
-          </a:fontRef>
-        </p:style>
-        <p:txBody>
-          <a:bodyPr rtlCol="0" anchor="ctr"/>
-          <a:lstStyle/>
-          <a:p>
-            <a:pPr algn="ctr"/>
-            <a:r>
-              <a:rPr lang="fr-FR" dirty="0" err="1"/>
-              <a:t>ColumnCryptoMetaData</a:t>
-            </a:r>
-            <a:endParaRPr lang="fr-FR" dirty="0"/>
-          </a:p>
-        </p:txBody>
-      </p:sp>
-      <p:cxnSp>
-        <p:nvCxnSpPr>
-          <p:cNvPr id="63" name="Straight Arrow Connector 62">
-            <a:extLst>
-              <a:ext uri="{FF2B5EF4-FFF2-40B4-BE49-F238E27FC236}">
-                <a16:creationId xmlns:a16="http://schemas.microsoft.com/office/drawing/2014/main" id="{C36E3E40-8940-C65B-3D28-97A154FA067F}"/>
-              </a:ext>
-            </a:extLst>
-          </p:cNvPr>
-          <p:cNvCxnSpPr>
-            <a:cxnSpLocks/>
-            <a:stCxn id="50" idx="3"/>
-            <a:endCxn id="62" idx="1"/>
-          </p:cNvCxnSpPr>
-          <p:nvPr/>
-        </p:nvCxnSpPr>
-        <p:spPr>
-          <a:xfrm flipV="1">
-            <a:off x="7898958" y="1129129"/>
-            <a:ext cx="1273616" cy="609699"/>
-          </a:xfrm>
-          <a:prstGeom prst="straightConnector1">
-            <a:avLst/>
-          </a:prstGeom>
-          <a:ln w="15875">
-            <a:tailEnd type="arrow" w="med" len="lg"/>
-          </a:ln>
-        </p:spPr>
-        <p:style>
-          <a:lnRef idx="1">
-            <a:schemeClr val="accent1"/>
-          </a:lnRef>
-          <a:fillRef idx="0">
-            <a:schemeClr val="accent1"/>
-          </a:fillRef>
-          <a:effectRef idx="0">
-            <a:schemeClr val="accent1"/>
-          </a:effectRef>
-          <a:fontRef idx="minor">
-            <a:schemeClr val="tx1"/>
-          </a:fontRef>
-        </p:style>
-      </p:cxnSp>
-      <p:sp>
-        <p:nvSpPr>
-          <p:cNvPr id="66" name="TextBox 65">
-            <a:extLst>
-              <a:ext uri="{FF2B5EF4-FFF2-40B4-BE49-F238E27FC236}">
-                <a16:creationId xmlns:a16="http://schemas.microsoft.com/office/drawing/2014/main" id="{BC998CEE-72FB-DC1E-CC15-75C998C7914B}"/>
-              </a:ext>
-            </a:extLst>
-          </p:cNvPr>
-          <p:cNvSpPr txBox="1"/>
-          <p:nvPr/>
-        </p:nvSpPr>
-        <p:spPr>
-          <a:xfrm>
-            <a:off x="8905513" y="596028"/>
-            <a:ext cx="534121" cy="369332"/>
-          </a:xfrm>
-          <a:prstGeom prst="rect">
-            <a:avLst/>
-          </a:prstGeom>
-          <a:noFill/>
-        </p:spPr>
-        <p:txBody>
-          <a:bodyPr wrap="none" rtlCol="0">
-            <a:spAutoFit/>
-          </a:bodyPr>
-          <a:lstStyle/>
-          <a:p>
-            <a:r>
-              <a:rPr lang="fr-FR" dirty="0"/>
-              <a:t>0..1</a:t>
-            </a:r>
-          </a:p>
-        </p:txBody>
-      </p:sp>
-      <p:sp>
-        <p:nvSpPr>
-          <p:cNvPr id="69" name="TextBox 68">
-            <a:extLst>
-              <a:ext uri="{FF2B5EF4-FFF2-40B4-BE49-F238E27FC236}">
-                <a16:creationId xmlns:a16="http://schemas.microsoft.com/office/drawing/2014/main" id="{6728BD0C-9888-C91F-A5E0-0FF120D0781E}"/>
-              </a:ext>
-            </a:extLst>
-          </p:cNvPr>
-          <p:cNvSpPr txBox="1"/>
-          <p:nvPr/>
-        </p:nvSpPr>
-        <p:spPr>
-          <a:xfrm>
-            <a:off x="9367317" y="2258258"/>
-            <a:ext cx="2439322" cy="2308324"/>
-          </a:xfrm>
-          <a:prstGeom prst="rect">
-            <a:avLst/>
-          </a:prstGeom>
-          <a:noFill/>
-        </p:spPr>
-        <p:txBody>
-          <a:bodyPr wrap="none" rtlCol="0">
-            <a:spAutoFit/>
-          </a:bodyPr>
-          <a:lstStyle/>
-          <a:p>
-            <a:r>
-              <a:rPr lang="fr-FR" dirty="0" err="1"/>
-              <a:t>numValues</a:t>
+              <a:t>offsetIndexReference</a:t>
             </a:r>
             <a:r>
               <a:rPr lang="fr-FR" dirty="0"/>
@@ -4998,7 +4517,7 @@
           <a:p>
             <a:r>
               <a:rPr lang="fr-FR" dirty="0" err="1"/>
-              <a:t>totalUncompressedSize</a:t>
+              <a:t>bloomFilterOffset</a:t>
             </a:r>
             <a:r>
               <a:rPr lang="fr-FR" dirty="0"/>
@@ -5008,7 +4527,7 @@
           <a:p>
             <a:r>
               <a:rPr lang="fr-FR" dirty="0" err="1"/>
-              <a:t>totalCompressedSize</a:t>
+              <a:t>firstDataPage</a:t>
             </a:r>
             <a:r>
               <a:rPr lang="fr-FR" dirty="0"/>
@@ -5018,7 +4537,7 @@
           <a:p>
             <a:r>
               <a:rPr lang="fr-FR" dirty="0" err="1"/>
-              <a:t>keyValueMetadata</a:t>
+              <a:t>dictionaryPageOffset</a:t>
             </a:r>
             <a:r>
               <a:rPr lang="fr-FR" dirty="0"/>
@@ -5028,38 +4547,21 @@
           <a:p>
             <a:r>
               <a:rPr lang="fr-FR" dirty="0" err="1"/>
-              <a:t>dataPageOffset</a:t>
+              <a:t>valueCount</a:t>
             </a:r>
             <a:r>
               <a:rPr lang="fr-FR" dirty="0"/>
-              <a:t>,</a:t>
+              <a:t>, </a:t>
             </a:r>
           </a:p>
           <a:p>
             <a:r>
               <a:rPr lang="fr-FR" dirty="0" err="1"/>
-              <a:t>indexPageOffset</a:t>
-            </a:r>
-            <a:r>
-              <a:rPr lang="fr-FR" dirty="0"/>
-              <a:t>,</a:t>
-            </a:r>
-          </a:p>
-          <a:p>
-            <a:r>
-              <a:rPr lang="fr-FR" dirty="0" err="1"/>
-              <a:t>dicPageOffset</a:t>
-            </a:r>
-            <a:r>
-              <a:rPr lang="fr-FR" dirty="0"/>
-              <a:t>,</a:t>
-            </a:r>
-          </a:p>
-          <a:p>
-            <a:r>
-              <a:rPr lang="fr-FR" dirty="0" err="1"/>
-              <a:t>bloomFilterOffset</a:t>
-            </a:r>
+              <a:t>totalSize,totalUncompressedSize</a:t>
+            </a:r>
+            <a:endParaRPr lang="fr-FR" dirty="0"/>
+          </a:p>
+          <a:p>
             <a:endParaRPr lang="fr-FR" dirty="0"/>
           </a:p>
         </p:txBody>
@@ -5125,14 +4627,13 @@
           </p:cNvPr>
           <p:cNvCxnSpPr>
             <a:cxnSpLocks/>
-            <a:endCxn id="70" idx="0"/>
           </p:cNvCxnSpPr>
           <p:nvPr/>
         </p:nvCxnSpPr>
         <p:spPr>
-          <a:xfrm flipH="1">
-            <a:off x="7336284" y="2025380"/>
-            <a:ext cx="1935337" cy="2584430"/>
+          <a:xfrm>
+            <a:off x="7272778" y="4237299"/>
+            <a:ext cx="33842" cy="369332"/>
           </a:xfrm>
           <a:prstGeom prst="straightConnector1">
             <a:avLst/>
@@ -5257,9 +4758,9 @@
           <p:nvPr/>
         </p:nvCxnSpPr>
         <p:spPr>
-          <a:xfrm flipH="1">
-            <a:off x="9198326" y="2261822"/>
-            <a:ext cx="168991" cy="2350176"/>
+          <a:xfrm>
+            <a:off x="7975734" y="4237299"/>
+            <a:ext cx="1222592" cy="374699"/>
           </a:xfrm>
           <a:prstGeom prst="straightConnector1">
             <a:avLst/>
@@ -5449,6 +4950,108 @@
               <a:rPr lang="fr-FR" dirty="0"/>
               <a:t>}</a:t>
             </a:r>
+          </a:p>
+        </p:txBody>
+      </p:sp>
+      <p:sp>
+        <p:nvSpPr>
+          <p:cNvPr id="90" name="Rectangle 5">
+            <a:extLst>
+              <a:ext uri="{FF2B5EF4-FFF2-40B4-BE49-F238E27FC236}">
+                <a16:creationId xmlns:a16="http://schemas.microsoft.com/office/drawing/2014/main" id="{208B6E8B-022D-E1B6-560D-EE87C8447CFE}"/>
+              </a:ext>
+            </a:extLst>
+          </p:cNvPr>
+          <p:cNvSpPr>
+            <a:spLocks noChangeArrowheads="1"/>
+          </p:cNvSpPr>
+          <p:nvPr/>
+        </p:nvSpPr>
+        <p:spPr bwMode="auto">
+          <a:xfrm>
+            <a:off x="152400" y="152400"/>
+            <a:ext cx="12192000" cy="457200"/>
+          </a:xfrm>
+          <a:prstGeom prst="rect">
+            <a:avLst/>
+          </a:prstGeom>
+          <a:solidFill>
+            <a:srgbClr val="2B2B2B"/>
+          </a:solidFill>
+          <a:ln>
+            <a:noFill/>
+          </a:ln>
+          <a:effectLst/>
+          <a:extLst>
+            <a:ext uri="{91240B29-F687-4F45-9708-019B960494DF}">
+              <a14:hiddenLine xmlns:a14="http://schemas.microsoft.com/office/drawing/2010/main" w="9525">
+                <a:solidFill>
+                  <a:schemeClr val="tx1"/>
+                </a:solidFill>
+                <a:miter lim="800000"/>
+                <a:headEnd/>
+                <a:tailEnd/>
+              </a14:hiddenLine>
+            </a:ext>
+            <a:ext uri="{AF507438-7753-43E0-B8FC-AC1667EBCBE1}">
+              <a14:hiddenEffects xmlns:a14="http://schemas.microsoft.com/office/drawing/2010/main">
+                <a:effectLst>
+                  <a:outerShdw dist="35921" dir="2700000" algn="ctr" rotWithShape="0">
+                    <a:schemeClr val="bg2"/>
+                  </a:outerShdw>
+                </a:effectLst>
+              </a14:hiddenEffects>
+            </a:ext>
+          </a:extLst>
+        </p:spPr>
+        <p:txBody>
+          <a:bodyPr vert="horz" wrap="none" lIns="91440" tIns="45720" rIns="91440" bIns="45720" numCol="1" anchor="ctr" anchorCtr="0" compatLnSpc="1">
+            <a:prstTxWarp prst="textNoShape">
+              <a:avLst/>
+            </a:prstTxWarp>
+            <a:spAutoFit/>
+          </a:bodyPr>
+          <a:lstStyle/>
+          <a:p>
+            <a:pPr marL="0" marR="0" lvl="0" indent="0" algn="l" defTabSz="914400" rtl="0" eaLnBrk="0" fontAlgn="base" latinLnBrk="0" hangingPunct="0">
+              <a:lnSpc>
+                <a:spcPct val="100000"/>
+              </a:lnSpc>
+              <a:spcBef>
+                <a:spcPct val="0"/>
+              </a:spcBef>
+              <a:spcAft>
+                <a:spcPct val="0"/>
+              </a:spcAft>
+              <a:buClrTx/>
+              <a:buSzTx/>
+              <a:buFontTx/>
+              <a:buNone/>
+              <a:tabLst/>
+            </a:pPr>
+            <a:r>
+              <a:rPr kumimoji="0" lang="fr-FR" altLang="fr-FR" sz="1000" b="0" i="0" u="none" strike="noStrike" cap="none" normalizeH="0" baseline="0">
+                <a:ln>
+                  <a:noFill/>
+                </a:ln>
+                <a:solidFill>
+                  <a:srgbClr val="9876AA"/>
+                </a:solidFill>
+                <a:effectLst/>
+                <a:latin typeface="JetBrains Mono"/>
+              </a:rPr>
+              <a:t>rowGroupOrdinal</a:t>
+            </a:r>
+            <a:endParaRPr kumimoji="0" lang="fr-FR" altLang="fr-FR" sz="1800" b="0" i="0" u="none" strike="noStrike" cap="none" normalizeH="0" baseline="0">
+              <a:ln>
+                <a:noFill/>
+              </a:ln>
+              <a:solidFill>
+                <a:schemeClr val="tx1"/>
+              </a:solidFill>
+              <a:effectLst/>
+              <a:latin typeface="Arial" panose="020B0604020202020204" pitchFamily="34" charset="0"/>
+            </a:endParaRPr>
           </a:p>
         </p:txBody>
       </p:sp>
